--- a/Pavee/Midterm Progress Report.pptx
+++ b/Pavee/Midterm Progress Report.pptx
@@ -14,11 +14,13 @@
     <p:sldId id="260" r:id="rId8"/>
     <p:sldId id="257" r:id="rId9"/>
     <p:sldId id="264" r:id="rId10"/>
-    <p:sldId id="265" r:id="rId11"/>
-    <p:sldId id="269" r:id="rId12"/>
-    <p:sldId id="261" r:id="rId13"/>
-    <p:sldId id="263" r:id="rId14"/>
-    <p:sldId id="268" r:id="rId15"/>
+    <p:sldId id="273" r:id="rId11"/>
+    <p:sldId id="274" r:id="rId12"/>
+    <p:sldId id="269" r:id="rId13"/>
+    <p:sldId id="272" r:id="rId14"/>
+    <p:sldId id="261" r:id="rId15"/>
+    <p:sldId id="263" r:id="rId16"/>
+    <p:sldId id="268" r:id="rId17"/>
   </p:sldIdLst>
   <p:sldSz cx="12192000" cy="6858000"/>
   <p:notesSz cx="6858000" cy="9144000"/>
@@ -413,7 +415,7 @@
             <a:fld id="{08B9EBBA-996F-894A-B54A-D6246ED52CEA}" type="datetimeFigureOut">
               <a:rPr lang="en-US" dirty="0"/>
               <a:pPr/>
-              <a:t>12/5/2019</a:t>
+              <a:t>12/6/2019</a:t>
             </a:fld>
             <a:endParaRPr lang="en-US" dirty="0"/>
           </a:p>
@@ -728,7 +730,7 @@
             <a:fld id="{18C79C5D-2A6F-F04D-97DA-BEF2467B64E4}" type="datetimeFigureOut">
               <a:rPr lang="en-US" dirty="0"/>
               <a:pPr/>
-              <a:t>12/5/2019</a:t>
+              <a:t>12/6/2019</a:t>
             </a:fld>
             <a:endParaRPr lang="en-US" dirty="0"/>
           </a:p>
@@ -1213,7 +1215,7 @@
             <a:fld id="{8DFA1846-DA80-1C48-A609-854EA85C59AD}" type="datetimeFigureOut">
               <a:rPr lang="en-US" dirty="0"/>
               <a:pPr/>
-              <a:t>12/5/2019</a:t>
+              <a:t>12/6/2019</a:t>
             </a:fld>
             <a:endParaRPr lang="en-US" dirty="0"/>
           </a:p>
@@ -1579,7 +1581,7 @@
             <a:fld id="{FBF54567-0DE4-3F47-BF90-CB84690072F9}" type="datetimeFigureOut">
               <a:rPr lang="en-US" dirty="0"/>
               <a:pPr/>
-              <a:t>12/5/2019</a:t>
+              <a:t>12/6/2019</a:t>
             </a:fld>
             <a:endParaRPr lang="en-US" dirty="0"/>
           </a:p>
@@ -1849,7 +1851,7 @@
             <a:fld id="{C6C52C72-DE31-F449-A4ED-4C594FD91407}" type="datetimeFigureOut">
               <a:rPr lang="en-US" dirty="0"/>
               <a:pPr/>
-              <a:t>12/5/2019</a:t>
+              <a:t>12/6/2019</a:t>
             </a:fld>
             <a:endParaRPr lang="en-US" dirty="0"/>
           </a:p>
@@ -2131,7 +2133,7 @@
             <a:fld id="{ED62726E-379B-B349-9EED-81ED093FA806}" type="datetimeFigureOut">
               <a:rPr lang="en-US" dirty="0"/>
               <a:pPr/>
-              <a:t>12/5/2019</a:t>
+              <a:t>12/6/2019</a:t>
             </a:fld>
             <a:endParaRPr lang="en-US" dirty="0"/>
           </a:p>
@@ -2411,7 +2413,7 @@
             <a:fld id="{9B3A1323-8D79-1946-B0D7-40001CF92E9D}" type="datetimeFigureOut">
               <a:rPr lang="en-US" dirty="0"/>
               <a:pPr/>
-              <a:t>12/5/2019</a:t>
+              <a:t>12/6/2019</a:t>
             </a:fld>
             <a:endParaRPr lang="en-US" dirty="0"/>
           </a:p>
@@ -2751,7 +2753,7 @@
             <a:fld id="{8DFA1846-DA80-1C48-A609-854EA85C59AD}" type="datetimeFigureOut">
               <a:rPr lang="en-US" dirty="0"/>
               <a:pPr/>
-              <a:t>12/5/2019</a:t>
+              <a:t>12/6/2019</a:t>
             </a:fld>
             <a:endParaRPr lang="en-US" dirty="0"/>
           </a:p>
@@ -3087,7 +3089,7 @@
             <a:fld id="{57302355-E14B-8545-A8F8-0FE83CC9D524}" type="datetimeFigureOut">
               <a:rPr lang="en-US" dirty="0"/>
               <a:pPr/>
-              <a:t>12/5/2019</a:t>
+              <a:t>12/6/2019</a:t>
             </a:fld>
             <a:endParaRPr lang="en-US" dirty="0"/>
           </a:p>
@@ -3561,7 +3563,7 @@
             <a:fld id="{02640F58-564D-2B4F-AE67-E407BA4FCF45}" type="datetimeFigureOut">
               <a:rPr lang="en-US" dirty="0"/>
               <a:pPr/>
-              <a:t>12/5/2019</a:t>
+              <a:t>12/6/2019</a:t>
             </a:fld>
             <a:endParaRPr lang="en-US" dirty="0"/>
           </a:p>
@@ -3779,7 +3781,7 @@
             <a:fld id="{F13A34C8-038E-2045-AF43-DF7DBB8E0E9E}" type="datetimeFigureOut">
               <a:rPr lang="en-US" dirty="0"/>
               <a:pPr/>
-              <a:t>12/5/2019</a:t>
+              <a:t>12/6/2019</a:t>
             </a:fld>
             <a:endParaRPr lang="en-US" dirty="0"/>
           </a:p>
@@ -3871,7 +3873,7 @@
             <a:fld id="{8818C68F-D26B-8F47-958C-23B49CF8A634}" type="datetimeFigureOut">
               <a:rPr lang="en-US" dirty="0"/>
               <a:pPr/>
-              <a:t>12/5/2019</a:t>
+              <a:t>12/6/2019</a:t>
             </a:fld>
             <a:endParaRPr lang="en-US" dirty="0"/>
           </a:p>
@@ -4335,7 +4337,7 @@
             <a:fld id="{D0DF5E60-9974-AC48-9591-99C2BB44B7CF}" type="datetimeFigureOut">
               <a:rPr lang="en-US" dirty="0"/>
               <a:pPr/>
-              <a:t>12/5/2019</a:t>
+              <a:t>12/6/2019</a:t>
             </a:fld>
             <a:endParaRPr lang="en-US" dirty="0"/>
           </a:p>
@@ -4645,7 +4647,7 @@
             <a:fld id="{18C79C5D-2A6F-F04D-97DA-BEF2467B64E4}" type="datetimeFigureOut">
               <a:rPr lang="en-US" dirty="0"/>
               <a:pPr/>
-              <a:t>12/5/2019</a:t>
+              <a:t>12/6/2019</a:t>
             </a:fld>
             <a:endParaRPr lang="en-US" dirty="0"/>
           </a:p>
@@ -4912,7 +4914,7 @@
             <a:fld id="{09B482E8-6E0E-1B4F-B1FD-C69DB9E858D9}" type="datetimeFigureOut">
               <a:rPr lang="en-US" dirty="0"/>
               <a:pPr/>
-              <a:t>12/5/2019</a:t>
+              <a:t>12/6/2019</a:t>
             </a:fld>
             <a:endParaRPr lang="en-US" dirty="0"/>
           </a:p>
@@ -5416,14 +5418,17 @@
           <a:p>
             <a:r>
               <a:rPr lang="en-US" dirty="0"/>
+              <a:t>On Financial Pricing Engine with Vital Mendonca Filho and Nicholas Wotton</a:t>
+            </a:r>
+          </a:p>
+          <a:p>
+            <a:r>
+              <a:rPr lang="en-US" dirty="0"/>
               <a:t>By Pavee Phongsopa </a:t>
             </a:r>
           </a:p>
           <a:p>
-            <a:r>
-              <a:rPr lang="en-US" dirty="0"/>
-              <a:t>On Financial Pricing Engine with Vital Mendonca Filho and Nicholas Wotton</a:t>
-            </a:r>
+            <a:endParaRPr lang="en-US" dirty="0"/>
           </a:p>
         </p:txBody>
       </p:sp>
@@ -5441,6 +5446,1116 @@
 </file>
 
 <file path=ppt/slides/slide10.xml><?xml version="1.0" encoding="utf-8"?>
+<p:sld xmlns:a="http://schemas.openxmlformats.org/drawingml/2006/main" xmlns:r="http://schemas.openxmlformats.org/officeDocument/2006/relationships" xmlns:p="http://schemas.openxmlformats.org/presentationml/2006/main">
+  <p:cSld>
+    <p:bg>
+      <p:bgPr>
+        <a:solidFill>
+          <a:schemeClr val="bg1"/>
+        </a:solidFill>
+        <a:effectLst/>
+      </p:bgPr>
+    </p:bg>
+    <p:spTree>
+      <p:nvGrpSpPr>
+        <p:cNvPr id="1" name=""/>
+        <p:cNvGrpSpPr/>
+        <p:nvPr/>
+      </p:nvGrpSpPr>
+      <p:grpSpPr>
+        <a:xfrm>
+          <a:off x="0" y="0"/>
+          <a:ext cx="0" cy="0"/>
+          <a:chOff x="0" y="0"/>
+          <a:chExt cx="0" cy="0"/>
+        </a:xfrm>
+      </p:grpSpPr>
+      <p:sp>
+        <p:nvSpPr>
+          <p:cNvPr id="21" name="Freeform 6">
+            <a:extLst>
+              <a:ext uri="{FF2B5EF4-FFF2-40B4-BE49-F238E27FC236}">
+                <a16:creationId xmlns:a16="http://schemas.microsoft.com/office/drawing/2014/main" id="{53576798-7F98-4C7F-B6C7-6D41B5A7E927}"/>
+              </a:ext>
+              <a:ext uri="{C183D7F6-B498-43B3-948B-1728B52AA6E4}">
+                <adec:decorative xmlns:adec="http://schemas.microsoft.com/office/drawing/2017/decorative" val="1"/>
+              </a:ext>
+            </a:extLst>
+          </p:cNvPr>
+          <p:cNvSpPr>
+            <a:spLocks noGrp="1" noRot="1" noChangeAspect="1" noMove="1" noResize="1" noEditPoints="1" noAdjustHandles="1" noChangeArrowheads="1" noChangeShapeType="1" noTextEdit="1"/>
+          </p:cNvSpPr>
+          <p:nvPr>
+            <p:extLst>
+              <p:ext uri="{386F3935-93C4-4BCD-93E2-E3B085C9AB24}">
+                <p16:designElem xmlns:p16="http://schemas.microsoft.com/office/powerpoint/2015/main" val="1"/>
+              </p:ext>
+            </p:extLst>
+          </p:nvPr>
+        </p:nvSpPr>
+        <p:spPr bwMode="auto">
+          <a:xfrm>
+            <a:off x="0" y="0"/>
+            <a:ext cx="12192000" cy="2185988"/>
+          </a:xfrm>
+          <a:custGeom>
+            <a:avLst/>
+            <a:gdLst/>
+            <a:ahLst/>
+            <a:cxnLst/>
+            <a:rect l="0" t="0" r="r" b="b"/>
+            <a:pathLst>
+              <a:path w="5760" h="1377">
+                <a:moveTo>
+                  <a:pt x="5760" y="0"/>
+                </a:moveTo>
+                <a:lnTo>
+                  <a:pt x="0" y="0"/>
+                </a:lnTo>
+                <a:lnTo>
+                  <a:pt x="0" y="1189"/>
+                </a:lnTo>
+                <a:lnTo>
+                  <a:pt x="943" y="1189"/>
+                </a:lnTo>
+                <a:lnTo>
+                  <a:pt x="1123" y="1369"/>
+                </a:lnTo>
+                <a:lnTo>
+                  <a:pt x="1123" y="1369"/>
+                </a:lnTo>
+                <a:lnTo>
+                  <a:pt x="1127" y="1371"/>
+                </a:lnTo>
+                <a:lnTo>
+                  <a:pt x="1133" y="1374"/>
+                </a:lnTo>
+                <a:lnTo>
+                  <a:pt x="1139" y="1377"/>
+                </a:lnTo>
+                <a:lnTo>
+                  <a:pt x="1144" y="1377"/>
+                </a:lnTo>
+                <a:lnTo>
+                  <a:pt x="1150" y="1377"/>
+                </a:lnTo>
+                <a:lnTo>
+                  <a:pt x="1155" y="1374"/>
+                </a:lnTo>
+                <a:lnTo>
+                  <a:pt x="1161" y="1371"/>
+                </a:lnTo>
+                <a:lnTo>
+                  <a:pt x="1165" y="1369"/>
+                </a:lnTo>
+                <a:lnTo>
+                  <a:pt x="1345" y="1189"/>
+                </a:lnTo>
+                <a:lnTo>
+                  <a:pt x="5760" y="1189"/>
+                </a:lnTo>
+                <a:lnTo>
+                  <a:pt x="5760" y="0"/>
+                </a:lnTo>
+                <a:close/>
+              </a:path>
+            </a:pathLst>
+          </a:custGeom>
+          <a:ln/>
+          <a:extLst>
+            <a:ext uri="{91240B29-F687-4f45-9708-019B960494DF}">
+              <a14:hiddenLine xmlns="" xmlns:a16="http://schemas.microsoft.com/office/drawing/2014/main" xmlns:p14="http://schemas.microsoft.com/office/powerpoint/2010/main" xmlns:a14="http://schemas.microsoft.com/office/drawing/2010/main" w="9525">
+                <a:solidFill>
+                  <a:srgbClr val="000000"/>
+                </a:solidFill>
+                <a:round/>
+                <a:headEnd/>
+                <a:tailEnd/>
+              </a14:hiddenLine>
+            </a:ext>
+          </a:extLst>
+        </p:spPr>
+        <p:style>
+          <a:lnRef idx="1">
+            <a:schemeClr val="accent1"/>
+          </a:lnRef>
+          <a:fillRef idx="3">
+            <a:schemeClr val="accent1"/>
+          </a:fillRef>
+          <a:effectRef idx="2">
+            <a:schemeClr val="accent1"/>
+          </a:effectRef>
+          <a:fontRef idx="minor">
+            <a:schemeClr val="lt1"/>
+          </a:fontRef>
+        </p:style>
+      </p:sp>
+      <p:sp>
+        <p:nvSpPr>
+          <p:cNvPr id="23" name="Rectangle 22">
+            <a:extLst>
+              <a:ext uri="{FF2B5EF4-FFF2-40B4-BE49-F238E27FC236}">
+                <a16:creationId xmlns:a16="http://schemas.microsoft.com/office/drawing/2014/main" id="{A416E3E5-5186-46A4-AFBD-337387D3163D}"/>
+              </a:ext>
+              <a:ext uri="{C183D7F6-B498-43B3-948B-1728B52AA6E4}">
+                <adec:decorative xmlns:adec="http://schemas.microsoft.com/office/drawing/2017/decorative" val="1"/>
+              </a:ext>
+            </a:extLst>
+          </p:cNvPr>
+          <p:cNvSpPr>
+            <a:spLocks noGrp="1" noRot="1" noChangeAspect="1" noMove="1" noResize="1" noEditPoints="1" noAdjustHandles="1" noChangeArrowheads="1" noChangeShapeType="1" noTextEdit="1"/>
+          </p:cNvSpPr>
+          <p:nvPr>
+            <p:extLst>
+              <p:ext uri="{386F3935-93C4-4BCD-93E2-E3B085C9AB24}">
+                <p16:designElem xmlns:p16="http://schemas.microsoft.com/office/powerpoint/2015/main" val="1"/>
+              </p:ext>
+            </p:extLst>
+          </p:nvPr>
+        </p:nvSpPr>
+        <p:spPr>
+          <a:xfrm>
+            <a:off x="4573" y="0"/>
+            <a:ext cx="12187427" cy="6858000"/>
+          </a:xfrm>
+          <a:prstGeom prst="rect">
+            <a:avLst/>
+          </a:prstGeom>
+          <a:solidFill>
+            <a:schemeClr val="bg1"/>
+          </a:solidFill>
+          <a:ln>
+            <a:noFill/>
+          </a:ln>
+        </p:spPr>
+        <p:style>
+          <a:lnRef idx="2">
+            <a:schemeClr val="accent1">
+              <a:shade val="50000"/>
+            </a:schemeClr>
+          </a:lnRef>
+          <a:fillRef idx="1">
+            <a:schemeClr val="accent1"/>
+          </a:fillRef>
+          <a:effectRef idx="0">
+            <a:schemeClr val="accent1"/>
+          </a:effectRef>
+          <a:fontRef idx="minor">
+            <a:schemeClr val="lt1"/>
+          </a:fontRef>
+        </p:style>
+        <p:txBody>
+          <a:bodyPr rtlCol="0" anchor="ctr"/>
+          <a:lstStyle/>
+          <a:p>
+            <a:pPr algn="ctr"/>
+            <a:endParaRPr lang="en-US"/>
+          </a:p>
+        </p:txBody>
+      </p:sp>
+      <p:sp>
+        <p:nvSpPr>
+          <p:cNvPr id="25" name="Freeform 23">
+            <a:extLst>
+              <a:ext uri="{FF2B5EF4-FFF2-40B4-BE49-F238E27FC236}">
+                <a16:creationId xmlns:a16="http://schemas.microsoft.com/office/drawing/2014/main" id="{7B8FAACC-353E-4F84-BA62-A5514185D9A9}"/>
+              </a:ext>
+              <a:ext uri="{C183D7F6-B498-43B3-948B-1728B52AA6E4}">
+                <adec:decorative xmlns:adec="http://schemas.microsoft.com/office/drawing/2017/decorative" val="1"/>
+              </a:ext>
+            </a:extLst>
+          </p:cNvPr>
+          <p:cNvSpPr>
+            <a:spLocks noGrp="1" noRot="1" noChangeAspect="1" noMove="1" noResize="1" noEditPoints="1" noAdjustHandles="1" noChangeArrowheads="1" noChangeShapeType="1" noTextEdit="1"/>
+          </p:cNvSpPr>
+          <p:nvPr>
+            <p:extLst>
+              <p:ext uri="{386F3935-93C4-4BCD-93E2-E3B085C9AB24}">
+                <p16:designElem xmlns:p16="http://schemas.microsoft.com/office/powerpoint/2015/main" val="1"/>
+              </p:ext>
+            </p:extLst>
+          </p:nvPr>
+        </p:nvSpPr>
+        <p:spPr bwMode="white">
+          <a:xfrm flipH="1">
+            <a:off x="7554995" y="0"/>
+            <a:ext cx="4637005" cy="6858000"/>
+          </a:xfrm>
+          <a:custGeom>
+            <a:avLst/>
+            <a:gdLst>
+              <a:gd name="connsiteX0" fmla="*/ 0 w 4637005"/>
+              <a:gd name="connsiteY0" fmla="*/ 0 h 6858000"/>
+              <a:gd name="connsiteX1" fmla="*/ 4637005 w 4637005"/>
+              <a:gd name="connsiteY1" fmla="*/ 0 h 6858000"/>
+              <a:gd name="connsiteX2" fmla="*/ 4637005 w 4637005"/>
+              <a:gd name="connsiteY2" fmla="*/ 1900238 h 6858000"/>
+              <a:gd name="connsiteX3" fmla="*/ 4266589 w 4637005"/>
+              <a:gd name="connsiteY3" fmla="*/ 2178050 h 6858000"/>
+              <a:gd name="connsiteX4" fmla="*/ 4262355 w 4637005"/>
+              <a:gd name="connsiteY4" fmla="*/ 2184400 h 6858000"/>
+              <a:gd name="connsiteX5" fmla="*/ 4256005 w 4637005"/>
+              <a:gd name="connsiteY5" fmla="*/ 2193925 h 6858000"/>
+              <a:gd name="connsiteX6" fmla="*/ 4249655 w 4637005"/>
+              <a:gd name="connsiteY6" fmla="*/ 2201863 h 6858000"/>
+              <a:gd name="connsiteX7" fmla="*/ 4249655 w 4637005"/>
+              <a:gd name="connsiteY7" fmla="*/ 2211388 h 6858000"/>
+              <a:gd name="connsiteX8" fmla="*/ 4249655 w 4637005"/>
+              <a:gd name="connsiteY8" fmla="*/ 2220913 h 6858000"/>
+              <a:gd name="connsiteX9" fmla="*/ 4256005 w 4637005"/>
+              <a:gd name="connsiteY9" fmla="*/ 2228850 h 6858000"/>
+              <a:gd name="connsiteX10" fmla="*/ 4262355 w 4637005"/>
+              <a:gd name="connsiteY10" fmla="*/ 2238375 h 6858000"/>
+              <a:gd name="connsiteX11" fmla="*/ 4266589 w 4637005"/>
+              <a:gd name="connsiteY11" fmla="*/ 2244725 h 6858000"/>
+              <a:gd name="connsiteX12" fmla="*/ 4637005 w 4637005"/>
+              <a:gd name="connsiteY12" fmla="*/ 2522538 h 6858000"/>
+              <a:gd name="connsiteX13" fmla="*/ 4637005 w 4637005"/>
+              <a:gd name="connsiteY13" fmla="*/ 6858000 h 6858000"/>
+              <a:gd name="connsiteX14" fmla="*/ 0 w 4637005"/>
+              <a:gd name="connsiteY14" fmla="*/ 6858000 h 6858000"/>
+            </a:gdLst>
+            <a:ahLst/>
+            <a:cxnLst>
+              <a:cxn ang="0">
+                <a:pos x="connsiteX0" y="connsiteY0"/>
+              </a:cxn>
+              <a:cxn ang="0">
+                <a:pos x="connsiteX1" y="connsiteY1"/>
+              </a:cxn>
+              <a:cxn ang="0">
+                <a:pos x="connsiteX2" y="connsiteY2"/>
+              </a:cxn>
+              <a:cxn ang="0">
+                <a:pos x="connsiteX3" y="connsiteY3"/>
+              </a:cxn>
+              <a:cxn ang="0">
+                <a:pos x="connsiteX4" y="connsiteY4"/>
+              </a:cxn>
+              <a:cxn ang="0">
+                <a:pos x="connsiteX5" y="connsiteY5"/>
+              </a:cxn>
+              <a:cxn ang="0">
+                <a:pos x="connsiteX6" y="connsiteY6"/>
+              </a:cxn>
+              <a:cxn ang="0">
+                <a:pos x="connsiteX7" y="connsiteY7"/>
+              </a:cxn>
+              <a:cxn ang="0">
+                <a:pos x="connsiteX8" y="connsiteY8"/>
+              </a:cxn>
+              <a:cxn ang="0">
+                <a:pos x="connsiteX9" y="connsiteY9"/>
+              </a:cxn>
+              <a:cxn ang="0">
+                <a:pos x="connsiteX10" y="connsiteY10"/>
+              </a:cxn>
+              <a:cxn ang="0">
+                <a:pos x="connsiteX11" y="connsiteY11"/>
+              </a:cxn>
+              <a:cxn ang="0">
+                <a:pos x="connsiteX12" y="connsiteY12"/>
+              </a:cxn>
+              <a:cxn ang="0">
+                <a:pos x="connsiteX13" y="connsiteY13"/>
+              </a:cxn>
+              <a:cxn ang="0">
+                <a:pos x="connsiteX14" y="connsiteY14"/>
+              </a:cxn>
+            </a:cxnLst>
+            <a:rect l="l" t="t" r="r" b="b"/>
+            <a:pathLst>
+              <a:path w="4637005" h="6858000">
+                <a:moveTo>
+                  <a:pt x="0" y="0"/>
+                </a:moveTo>
+                <a:lnTo>
+                  <a:pt x="4637005" y="0"/>
+                </a:lnTo>
+                <a:lnTo>
+                  <a:pt x="4637005" y="1900238"/>
+                </a:lnTo>
+                <a:lnTo>
+                  <a:pt x="4266589" y="2178050"/>
+                </a:lnTo>
+                <a:lnTo>
+                  <a:pt x="4262355" y="2184400"/>
+                </a:lnTo>
+                <a:lnTo>
+                  <a:pt x="4256005" y="2193925"/>
+                </a:lnTo>
+                <a:lnTo>
+                  <a:pt x="4249655" y="2201863"/>
+                </a:lnTo>
+                <a:lnTo>
+                  <a:pt x="4249655" y="2211388"/>
+                </a:lnTo>
+                <a:lnTo>
+                  <a:pt x="4249655" y="2220913"/>
+                </a:lnTo>
+                <a:lnTo>
+                  <a:pt x="4256005" y="2228850"/>
+                </a:lnTo>
+                <a:lnTo>
+                  <a:pt x="4262355" y="2238375"/>
+                </a:lnTo>
+                <a:lnTo>
+                  <a:pt x="4266589" y="2244725"/>
+                </a:lnTo>
+                <a:lnTo>
+                  <a:pt x="4637005" y="2522538"/>
+                </a:lnTo>
+                <a:lnTo>
+                  <a:pt x="4637005" y="6858000"/>
+                </a:lnTo>
+                <a:lnTo>
+                  <a:pt x="0" y="6858000"/>
+                </a:lnTo>
+                <a:close/>
+              </a:path>
+            </a:pathLst>
+          </a:custGeom>
+          <a:solidFill>
+            <a:srgbClr val="212121"/>
+          </a:solidFill>
+          <a:ln>
+            <a:noFill/>
+            <a:headEnd/>
+            <a:tailEnd/>
+          </a:ln>
+        </p:spPr>
+        <p:style>
+          <a:lnRef idx="1">
+            <a:schemeClr val="accent1"/>
+          </a:lnRef>
+          <a:fillRef idx="3">
+            <a:schemeClr val="accent1"/>
+          </a:fillRef>
+          <a:effectRef idx="2">
+            <a:schemeClr val="accent1"/>
+          </a:effectRef>
+          <a:fontRef idx="minor">
+            <a:schemeClr val="lt1"/>
+          </a:fontRef>
+        </p:style>
+        <p:txBody>
+          <a:bodyPr wrap="square" rtlCol="0" anchor="ctr">
+            <a:noAutofit/>
+          </a:bodyPr>
+          <a:lstStyle/>
+          <a:p>
+            <a:pPr algn="ctr"/>
+            <a:endParaRPr lang="en-US"/>
+          </a:p>
+        </p:txBody>
+      </p:sp>
+      <p:sp>
+        <p:nvSpPr>
+          <p:cNvPr id="2" name="Title 1">
+            <a:extLst>
+              <a:ext uri="{FF2B5EF4-FFF2-40B4-BE49-F238E27FC236}">
+                <a16:creationId xmlns:a16="http://schemas.microsoft.com/office/drawing/2014/main" id="{0B686645-A2FC-4801-905F-49D7F279C865}"/>
+              </a:ext>
+            </a:extLst>
+          </p:cNvPr>
+          <p:cNvSpPr>
+            <a:spLocks noGrp="1"/>
+          </p:cNvSpPr>
+          <p:nvPr>
+            <p:ph type="title"/>
+          </p:nvPr>
+        </p:nvSpPr>
+        <p:spPr>
+          <a:xfrm>
+            <a:off x="8164749" y="457201"/>
+            <a:ext cx="3575737" cy="1332688"/>
+          </a:xfrm>
+        </p:spPr>
+        <p:txBody>
+          <a:bodyPr vert="horz" lIns="91440" tIns="45720" rIns="91440" bIns="45720" rtlCol="0" anchor="b">
+            <a:normAutofit/>
+          </a:bodyPr>
+          <a:lstStyle/>
+          <a:p>
+            <a:pPr algn="ctr"/>
+            <a:r>
+              <a:rPr lang="en-US" sz="3200" b="1">
+                <a:solidFill>
+                  <a:srgbClr val="FFFFFF"/>
+                </a:solidFill>
+              </a:rPr>
+              <a:t>American  Option</a:t>
+            </a:r>
+            <a:endParaRPr lang="en-US" sz="3200" b="1" dirty="0">
+              <a:solidFill>
+                <a:srgbClr val="FFFFFF"/>
+              </a:solidFill>
+            </a:endParaRPr>
+          </a:p>
+        </p:txBody>
+      </p:sp>
+      <p:pic>
+        <p:nvPicPr>
+          <p:cNvPr id="13" name="Picture 12">
+            <a:extLst>
+              <a:ext uri="{FF2B5EF4-FFF2-40B4-BE49-F238E27FC236}">
+                <a16:creationId xmlns:a16="http://schemas.microsoft.com/office/drawing/2014/main" id="{263C4145-DC67-4319-B1F0-6D80CB761E0A}"/>
+              </a:ext>
+            </a:extLst>
+          </p:cNvPr>
+          <p:cNvPicPr/>
+          <p:nvPr/>
+        </p:nvPicPr>
+        <p:blipFill>
+          <a:blip r:embed="rId2" cstate="print">
+            <a:extLst>
+              <a:ext uri="{28A0092B-C50C-407E-A947-70E740481C1C}">
+                <a14:useLocalDpi xmlns:a14="http://schemas.microsoft.com/office/drawing/2010/main" val="0"/>
+              </a:ext>
+            </a:extLst>
+          </a:blip>
+          <a:stretch>
+            <a:fillRect/>
+          </a:stretch>
+        </p:blipFill>
+        <p:spPr>
+          <a:xfrm>
+            <a:off x="1599547" y="457201"/>
+            <a:ext cx="4341684" cy="5584161"/>
+          </a:xfrm>
+          <a:prstGeom prst="roundRect">
+            <a:avLst>
+              <a:gd name="adj" fmla="val 3876"/>
+            </a:avLst>
+          </a:prstGeom>
+          <a:ln>
+            <a:solidFill>
+              <a:schemeClr val="accent1"/>
+            </a:solidFill>
+          </a:ln>
+          <a:effectLst/>
+        </p:spPr>
+      </p:pic>
+      <p:sp>
+        <p:nvSpPr>
+          <p:cNvPr id="4" name="Text Placeholder 3">
+            <a:extLst>
+              <a:ext uri="{FF2B5EF4-FFF2-40B4-BE49-F238E27FC236}">
+                <a16:creationId xmlns:a16="http://schemas.microsoft.com/office/drawing/2014/main" id="{07DF601F-C1B8-40C2-A357-E4D627F922FC}"/>
+              </a:ext>
+            </a:extLst>
+          </p:cNvPr>
+          <p:cNvSpPr>
+            <a:spLocks noGrp="1"/>
+          </p:cNvSpPr>
+          <p:nvPr>
+            <p:ph type="body" sz="half" idx="2"/>
+          </p:nvPr>
+        </p:nvSpPr>
+        <p:spPr>
+          <a:xfrm>
+            <a:off x="8164749" y="2024743"/>
+            <a:ext cx="3575737" cy="4016619"/>
+          </a:xfrm>
+        </p:spPr>
+        <p:txBody>
+          <a:bodyPr vert="horz" lIns="91440" tIns="45720" rIns="91440" bIns="45720" rtlCol="0" anchor="ctr">
+            <a:normAutofit/>
+          </a:bodyPr>
+          <a:lstStyle/>
+          <a:p>
+            <a:pPr>
+              <a:buFont typeface="Wingdings 2" charset="2"/>
+              <a:buChar char=""/>
+            </a:pPr>
+            <a:r>
+              <a:rPr lang="en-US" sz="1600" dirty="0">
+                <a:solidFill>
+                  <a:srgbClr val="FFFFFF"/>
+                </a:solidFill>
+              </a:rPr>
+              <a:t>The code gives out the same output as the previous European option when the dividend is set to 0.  </a:t>
+            </a:r>
+          </a:p>
+          <a:p>
+            <a:pPr>
+              <a:buFont typeface="Wingdings 2" charset="2"/>
+              <a:buChar char=""/>
+            </a:pPr>
+            <a:endParaRPr lang="en-US" sz="1600" dirty="0">
+              <a:solidFill>
+                <a:srgbClr val="FFFFFF"/>
+              </a:solidFill>
+            </a:endParaRPr>
+          </a:p>
+        </p:txBody>
+      </p:sp>
+    </p:spTree>
+    <p:extLst>
+      <p:ext uri="{BB962C8B-B14F-4D97-AF65-F5344CB8AC3E}">
+        <p14:creationId xmlns:p14="http://schemas.microsoft.com/office/powerpoint/2010/main" val="557575297"/>
+      </p:ext>
+    </p:extLst>
+  </p:cSld>
+  <p:clrMapOvr>
+    <a:overrideClrMapping bg1="lt1" tx1="dk1" bg2="lt2" tx2="dk2" accent1="accent1" accent2="accent2" accent3="accent3" accent4="accent4" accent5="accent5" accent6="accent6" hlink="hlink" folHlink="folHlink"/>
+  </p:clrMapOvr>
+</p:sld>
+</file>
+
+<file path=ppt/slides/slide11.xml><?xml version="1.0" encoding="utf-8"?>
+<p:sld xmlns:a="http://schemas.openxmlformats.org/drawingml/2006/main" xmlns:r="http://schemas.openxmlformats.org/officeDocument/2006/relationships" xmlns:p="http://schemas.openxmlformats.org/presentationml/2006/main">
+  <p:cSld>
+    <p:bg>
+      <p:bgPr>
+        <a:solidFill>
+          <a:schemeClr val="bg1"/>
+        </a:solidFill>
+        <a:effectLst/>
+      </p:bgPr>
+    </p:bg>
+    <p:spTree>
+      <p:nvGrpSpPr>
+        <p:cNvPr id="1" name=""/>
+        <p:cNvGrpSpPr/>
+        <p:nvPr/>
+      </p:nvGrpSpPr>
+      <p:grpSpPr>
+        <a:xfrm>
+          <a:off x="0" y="0"/>
+          <a:ext cx="0" cy="0"/>
+          <a:chOff x="0" y="0"/>
+          <a:chExt cx="0" cy="0"/>
+        </a:xfrm>
+      </p:grpSpPr>
+      <p:sp>
+        <p:nvSpPr>
+          <p:cNvPr id="13" name="Freeform 6">
+            <a:extLst>
+              <a:ext uri="{FF2B5EF4-FFF2-40B4-BE49-F238E27FC236}">
+                <a16:creationId xmlns:a16="http://schemas.microsoft.com/office/drawing/2014/main" id="{53576798-7F98-4C7F-B6C7-6D41B5A7E927}"/>
+              </a:ext>
+              <a:ext uri="{C183D7F6-B498-43B3-948B-1728B52AA6E4}">
+                <adec:decorative xmlns:adec="http://schemas.microsoft.com/office/drawing/2017/decorative" val="1"/>
+              </a:ext>
+            </a:extLst>
+          </p:cNvPr>
+          <p:cNvSpPr>
+            <a:spLocks noGrp="1" noRot="1" noChangeAspect="1" noMove="1" noResize="1" noEditPoints="1" noAdjustHandles="1" noChangeArrowheads="1" noChangeShapeType="1" noTextEdit="1"/>
+          </p:cNvSpPr>
+          <p:nvPr>
+            <p:extLst>
+              <p:ext uri="{386F3935-93C4-4BCD-93E2-E3B085C9AB24}">
+                <p16:designElem xmlns:p16="http://schemas.microsoft.com/office/powerpoint/2015/main" val="1"/>
+              </p:ext>
+            </p:extLst>
+          </p:nvPr>
+        </p:nvSpPr>
+        <p:spPr bwMode="auto">
+          <a:xfrm>
+            <a:off x="0" y="0"/>
+            <a:ext cx="12192000" cy="2185988"/>
+          </a:xfrm>
+          <a:custGeom>
+            <a:avLst/>
+            <a:gdLst/>
+            <a:ahLst/>
+            <a:cxnLst/>
+            <a:rect l="0" t="0" r="r" b="b"/>
+            <a:pathLst>
+              <a:path w="5760" h="1377">
+                <a:moveTo>
+                  <a:pt x="5760" y="0"/>
+                </a:moveTo>
+                <a:lnTo>
+                  <a:pt x="0" y="0"/>
+                </a:lnTo>
+                <a:lnTo>
+                  <a:pt x="0" y="1189"/>
+                </a:lnTo>
+                <a:lnTo>
+                  <a:pt x="943" y="1189"/>
+                </a:lnTo>
+                <a:lnTo>
+                  <a:pt x="1123" y="1369"/>
+                </a:lnTo>
+                <a:lnTo>
+                  <a:pt x="1123" y="1369"/>
+                </a:lnTo>
+                <a:lnTo>
+                  <a:pt x="1127" y="1371"/>
+                </a:lnTo>
+                <a:lnTo>
+                  <a:pt x="1133" y="1374"/>
+                </a:lnTo>
+                <a:lnTo>
+                  <a:pt x="1139" y="1377"/>
+                </a:lnTo>
+                <a:lnTo>
+                  <a:pt x="1144" y="1377"/>
+                </a:lnTo>
+                <a:lnTo>
+                  <a:pt x="1150" y="1377"/>
+                </a:lnTo>
+                <a:lnTo>
+                  <a:pt x="1155" y="1374"/>
+                </a:lnTo>
+                <a:lnTo>
+                  <a:pt x="1161" y="1371"/>
+                </a:lnTo>
+                <a:lnTo>
+                  <a:pt x="1165" y="1369"/>
+                </a:lnTo>
+                <a:lnTo>
+                  <a:pt x="1345" y="1189"/>
+                </a:lnTo>
+                <a:lnTo>
+                  <a:pt x="5760" y="1189"/>
+                </a:lnTo>
+                <a:lnTo>
+                  <a:pt x="5760" y="0"/>
+                </a:lnTo>
+                <a:close/>
+              </a:path>
+            </a:pathLst>
+          </a:custGeom>
+          <a:ln/>
+          <a:extLst>
+            <a:ext uri="{91240B29-F687-4f45-9708-019B960494DF}">
+              <a14:hiddenLine xmlns="" xmlns:a16="http://schemas.microsoft.com/office/drawing/2014/main" xmlns:p14="http://schemas.microsoft.com/office/powerpoint/2010/main" xmlns:a14="http://schemas.microsoft.com/office/drawing/2010/main" w="9525">
+                <a:solidFill>
+                  <a:srgbClr val="000000"/>
+                </a:solidFill>
+                <a:round/>
+                <a:headEnd/>
+                <a:tailEnd/>
+              </a14:hiddenLine>
+            </a:ext>
+          </a:extLst>
+        </p:spPr>
+        <p:style>
+          <a:lnRef idx="1">
+            <a:schemeClr val="accent1"/>
+          </a:lnRef>
+          <a:fillRef idx="3">
+            <a:schemeClr val="accent1"/>
+          </a:fillRef>
+          <a:effectRef idx="2">
+            <a:schemeClr val="accent1"/>
+          </a:effectRef>
+          <a:fontRef idx="minor">
+            <a:schemeClr val="lt1"/>
+          </a:fontRef>
+        </p:style>
+      </p:sp>
+      <p:sp>
+        <p:nvSpPr>
+          <p:cNvPr id="15" name="Rectangle 14">
+            <a:extLst>
+              <a:ext uri="{FF2B5EF4-FFF2-40B4-BE49-F238E27FC236}">
+                <a16:creationId xmlns:a16="http://schemas.microsoft.com/office/drawing/2014/main" id="{A416E3E5-5186-46A4-AFBD-337387D3163D}"/>
+              </a:ext>
+              <a:ext uri="{C183D7F6-B498-43B3-948B-1728B52AA6E4}">
+                <adec:decorative xmlns:adec="http://schemas.microsoft.com/office/drawing/2017/decorative" val="1"/>
+              </a:ext>
+            </a:extLst>
+          </p:cNvPr>
+          <p:cNvSpPr>
+            <a:spLocks noGrp="1" noRot="1" noChangeAspect="1" noMove="1" noResize="1" noEditPoints="1" noAdjustHandles="1" noChangeArrowheads="1" noChangeShapeType="1" noTextEdit="1"/>
+          </p:cNvSpPr>
+          <p:nvPr>
+            <p:extLst>
+              <p:ext uri="{386F3935-93C4-4BCD-93E2-E3B085C9AB24}">
+                <p16:designElem xmlns:p16="http://schemas.microsoft.com/office/powerpoint/2015/main" val="1"/>
+              </p:ext>
+            </p:extLst>
+          </p:nvPr>
+        </p:nvSpPr>
+        <p:spPr>
+          <a:xfrm>
+            <a:off x="4573" y="0"/>
+            <a:ext cx="12187427" cy="6858000"/>
+          </a:xfrm>
+          <a:prstGeom prst="rect">
+            <a:avLst/>
+          </a:prstGeom>
+          <a:solidFill>
+            <a:schemeClr val="bg1"/>
+          </a:solidFill>
+          <a:ln>
+            <a:noFill/>
+          </a:ln>
+        </p:spPr>
+        <p:style>
+          <a:lnRef idx="2">
+            <a:schemeClr val="accent1">
+              <a:shade val="50000"/>
+            </a:schemeClr>
+          </a:lnRef>
+          <a:fillRef idx="1">
+            <a:schemeClr val="accent1"/>
+          </a:fillRef>
+          <a:effectRef idx="0">
+            <a:schemeClr val="accent1"/>
+          </a:effectRef>
+          <a:fontRef idx="minor">
+            <a:schemeClr val="lt1"/>
+          </a:fontRef>
+        </p:style>
+        <p:txBody>
+          <a:bodyPr rtlCol="0" anchor="ctr"/>
+          <a:lstStyle/>
+          <a:p>
+            <a:pPr algn="ctr"/>
+            <a:endParaRPr lang="en-US"/>
+          </a:p>
+        </p:txBody>
+      </p:sp>
+      <p:sp>
+        <p:nvSpPr>
+          <p:cNvPr id="17" name="Freeform 23">
+            <a:extLst>
+              <a:ext uri="{FF2B5EF4-FFF2-40B4-BE49-F238E27FC236}">
+                <a16:creationId xmlns:a16="http://schemas.microsoft.com/office/drawing/2014/main" id="{7B8FAACC-353E-4F84-BA62-A5514185D9A9}"/>
+              </a:ext>
+              <a:ext uri="{C183D7F6-B498-43B3-948B-1728B52AA6E4}">
+                <adec:decorative xmlns:adec="http://schemas.microsoft.com/office/drawing/2017/decorative" val="1"/>
+              </a:ext>
+            </a:extLst>
+          </p:cNvPr>
+          <p:cNvSpPr>
+            <a:spLocks noGrp="1" noRot="1" noChangeAspect="1" noMove="1" noResize="1" noEditPoints="1" noAdjustHandles="1" noChangeArrowheads="1" noChangeShapeType="1" noTextEdit="1"/>
+          </p:cNvSpPr>
+          <p:nvPr>
+            <p:extLst>
+              <p:ext uri="{386F3935-93C4-4BCD-93E2-E3B085C9AB24}">
+                <p16:designElem xmlns:p16="http://schemas.microsoft.com/office/powerpoint/2015/main" val="1"/>
+              </p:ext>
+            </p:extLst>
+          </p:nvPr>
+        </p:nvSpPr>
+        <p:spPr bwMode="white">
+          <a:xfrm flipH="1">
+            <a:off x="7554995" y="0"/>
+            <a:ext cx="4637005" cy="6858000"/>
+          </a:xfrm>
+          <a:custGeom>
+            <a:avLst/>
+            <a:gdLst>
+              <a:gd name="connsiteX0" fmla="*/ 0 w 4637005"/>
+              <a:gd name="connsiteY0" fmla="*/ 0 h 6858000"/>
+              <a:gd name="connsiteX1" fmla="*/ 4637005 w 4637005"/>
+              <a:gd name="connsiteY1" fmla="*/ 0 h 6858000"/>
+              <a:gd name="connsiteX2" fmla="*/ 4637005 w 4637005"/>
+              <a:gd name="connsiteY2" fmla="*/ 1900238 h 6858000"/>
+              <a:gd name="connsiteX3" fmla="*/ 4266589 w 4637005"/>
+              <a:gd name="connsiteY3" fmla="*/ 2178050 h 6858000"/>
+              <a:gd name="connsiteX4" fmla="*/ 4262355 w 4637005"/>
+              <a:gd name="connsiteY4" fmla="*/ 2184400 h 6858000"/>
+              <a:gd name="connsiteX5" fmla="*/ 4256005 w 4637005"/>
+              <a:gd name="connsiteY5" fmla="*/ 2193925 h 6858000"/>
+              <a:gd name="connsiteX6" fmla="*/ 4249655 w 4637005"/>
+              <a:gd name="connsiteY6" fmla="*/ 2201863 h 6858000"/>
+              <a:gd name="connsiteX7" fmla="*/ 4249655 w 4637005"/>
+              <a:gd name="connsiteY7" fmla="*/ 2211388 h 6858000"/>
+              <a:gd name="connsiteX8" fmla="*/ 4249655 w 4637005"/>
+              <a:gd name="connsiteY8" fmla="*/ 2220913 h 6858000"/>
+              <a:gd name="connsiteX9" fmla="*/ 4256005 w 4637005"/>
+              <a:gd name="connsiteY9" fmla="*/ 2228850 h 6858000"/>
+              <a:gd name="connsiteX10" fmla="*/ 4262355 w 4637005"/>
+              <a:gd name="connsiteY10" fmla="*/ 2238375 h 6858000"/>
+              <a:gd name="connsiteX11" fmla="*/ 4266589 w 4637005"/>
+              <a:gd name="connsiteY11" fmla="*/ 2244725 h 6858000"/>
+              <a:gd name="connsiteX12" fmla="*/ 4637005 w 4637005"/>
+              <a:gd name="connsiteY12" fmla="*/ 2522538 h 6858000"/>
+              <a:gd name="connsiteX13" fmla="*/ 4637005 w 4637005"/>
+              <a:gd name="connsiteY13" fmla="*/ 6858000 h 6858000"/>
+              <a:gd name="connsiteX14" fmla="*/ 0 w 4637005"/>
+              <a:gd name="connsiteY14" fmla="*/ 6858000 h 6858000"/>
+            </a:gdLst>
+            <a:ahLst/>
+            <a:cxnLst>
+              <a:cxn ang="0">
+                <a:pos x="connsiteX0" y="connsiteY0"/>
+              </a:cxn>
+              <a:cxn ang="0">
+                <a:pos x="connsiteX1" y="connsiteY1"/>
+              </a:cxn>
+              <a:cxn ang="0">
+                <a:pos x="connsiteX2" y="connsiteY2"/>
+              </a:cxn>
+              <a:cxn ang="0">
+                <a:pos x="connsiteX3" y="connsiteY3"/>
+              </a:cxn>
+              <a:cxn ang="0">
+                <a:pos x="connsiteX4" y="connsiteY4"/>
+              </a:cxn>
+              <a:cxn ang="0">
+                <a:pos x="connsiteX5" y="connsiteY5"/>
+              </a:cxn>
+              <a:cxn ang="0">
+                <a:pos x="connsiteX6" y="connsiteY6"/>
+              </a:cxn>
+              <a:cxn ang="0">
+                <a:pos x="connsiteX7" y="connsiteY7"/>
+              </a:cxn>
+              <a:cxn ang="0">
+                <a:pos x="connsiteX8" y="connsiteY8"/>
+              </a:cxn>
+              <a:cxn ang="0">
+                <a:pos x="connsiteX9" y="connsiteY9"/>
+              </a:cxn>
+              <a:cxn ang="0">
+                <a:pos x="connsiteX10" y="connsiteY10"/>
+              </a:cxn>
+              <a:cxn ang="0">
+                <a:pos x="connsiteX11" y="connsiteY11"/>
+              </a:cxn>
+              <a:cxn ang="0">
+                <a:pos x="connsiteX12" y="connsiteY12"/>
+              </a:cxn>
+              <a:cxn ang="0">
+                <a:pos x="connsiteX13" y="connsiteY13"/>
+              </a:cxn>
+              <a:cxn ang="0">
+                <a:pos x="connsiteX14" y="connsiteY14"/>
+              </a:cxn>
+            </a:cxnLst>
+            <a:rect l="l" t="t" r="r" b="b"/>
+            <a:pathLst>
+              <a:path w="4637005" h="6858000">
+                <a:moveTo>
+                  <a:pt x="0" y="0"/>
+                </a:moveTo>
+                <a:lnTo>
+                  <a:pt x="4637005" y="0"/>
+                </a:lnTo>
+                <a:lnTo>
+                  <a:pt x="4637005" y="1900238"/>
+                </a:lnTo>
+                <a:lnTo>
+                  <a:pt x="4266589" y="2178050"/>
+                </a:lnTo>
+                <a:lnTo>
+                  <a:pt x="4262355" y="2184400"/>
+                </a:lnTo>
+                <a:lnTo>
+                  <a:pt x="4256005" y="2193925"/>
+                </a:lnTo>
+                <a:lnTo>
+                  <a:pt x="4249655" y="2201863"/>
+                </a:lnTo>
+                <a:lnTo>
+                  <a:pt x="4249655" y="2211388"/>
+                </a:lnTo>
+                <a:lnTo>
+                  <a:pt x="4249655" y="2220913"/>
+                </a:lnTo>
+                <a:lnTo>
+                  <a:pt x="4256005" y="2228850"/>
+                </a:lnTo>
+                <a:lnTo>
+                  <a:pt x="4262355" y="2238375"/>
+                </a:lnTo>
+                <a:lnTo>
+                  <a:pt x="4266589" y="2244725"/>
+                </a:lnTo>
+                <a:lnTo>
+                  <a:pt x="4637005" y="2522538"/>
+                </a:lnTo>
+                <a:lnTo>
+                  <a:pt x="4637005" y="6858000"/>
+                </a:lnTo>
+                <a:lnTo>
+                  <a:pt x="0" y="6858000"/>
+                </a:lnTo>
+                <a:close/>
+              </a:path>
+            </a:pathLst>
+          </a:custGeom>
+          <a:solidFill>
+            <a:srgbClr val="212121"/>
+          </a:solidFill>
+          <a:ln>
+            <a:noFill/>
+            <a:headEnd/>
+            <a:tailEnd/>
+          </a:ln>
+        </p:spPr>
+        <p:style>
+          <a:lnRef idx="1">
+            <a:schemeClr val="accent1"/>
+          </a:lnRef>
+          <a:fillRef idx="3">
+            <a:schemeClr val="accent1"/>
+          </a:fillRef>
+          <a:effectRef idx="2">
+            <a:schemeClr val="accent1"/>
+          </a:effectRef>
+          <a:fontRef idx="minor">
+            <a:schemeClr val="lt1"/>
+          </a:fontRef>
+        </p:style>
+        <p:txBody>
+          <a:bodyPr wrap="square" rtlCol="0" anchor="ctr">
+            <a:noAutofit/>
+          </a:bodyPr>
+          <a:lstStyle/>
+          <a:p>
+            <a:pPr algn="ctr"/>
+            <a:endParaRPr lang="en-US"/>
+          </a:p>
+        </p:txBody>
+      </p:sp>
+      <p:sp>
+        <p:nvSpPr>
+          <p:cNvPr id="2" name="Title 1">
+            <a:extLst>
+              <a:ext uri="{FF2B5EF4-FFF2-40B4-BE49-F238E27FC236}">
+                <a16:creationId xmlns:a16="http://schemas.microsoft.com/office/drawing/2014/main" id="{0B686645-A2FC-4801-905F-49D7F279C865}"/>
+              </a:ext>
+            </a:extLst>
+          </p:cNvPr>
+          <p:cNvSpPr>
+            <a:spLocks noGrp="1"/>
+          </p:cNvSpPr>
+          <p:nvPr>
+            <p:ph type="title"/>
+          </p:nvPr>
+        </p:nvSpPr>
+        <p:spPr>
+          <a:xfrm>
+            <a:off x="8164749" y="457201"/>
+            <a:ext cx="3575737" cy="1332688"/>
+          </a:xfrm>
+        </p:spPr>
+        <p:txBody>
+          <a:bodyPr vert="horz" lIns="91440" tIns="45720" rIns="91440" bIns="45720" rtlCol="0" anchor="b">
+            <a:normAutofit/>
+          </a:bodyPr>
+          <a:lstStyle/>
+          <a:p>
+            <a:pPr algn="ctr"/>
+            <a:r>
+              <a:rPr lang="en-US" sz="3200" b="1">
+                <a:solidFill>
+                  <a:srgbClr val="FFFFFF"/>
+                </a:solidFill>
+              </a:rPr>
+              <a:t>American  Option</a:t>
+            </a:r>
+            <a:endParaRPr lang="en-US" sz="3200" b="1" dirty="0">
+              <a:solidFill>
+                <a:srgbClr val="FFFFFF"/>
+              </a:solidFill>
+            </a:endParaRPr>
+          </a:p>
+        </p:txBody>
+      </p:sp>
+      <p:pic>
+        <p:nvPicPr>
+          <p:cNvPr id="8" name="Picture 7">
+            <a:extLst>
+              <a:ext uri="{FF2B5EF4-FFF2-40B4-BE49-F238E27FC236}">
+                <a16:creationId xmlns:a16="http://schemas.microsoft.com/office/drawing/2014/main" id="{BD18BC96-D1AC-47A6-9B92-7B2751F5EE0F}"/>
+              </a:ext>
+            </a:extLst>
+          </p:cNvPr>
+          <p:cNvPicPr/>
+          <p:nvPr/>
+        </p:nvPicPr>
+        <p:blipFill>
+          <a:blip r:embed="rId2"/>
+          <a:stretch>
+            <a:fillRect/>
+          </a:stretch>
+        </p:blipFill>
+        <p:spPr>
+          <a:xfrm>
+            <a:off x="1126079" y="457201"/>
+            <a:ext cx="5288620" cy="5584161"/>
+          </a:xfrm>
+          <a:prstGeom prst="roundRect">
+            <a:avLst>
+              <a:gd name="adj" fmla="val 3876"/>
+            </a:avLst>
+          </a:prstGeom>
+          <a:ln>
+            <a:solidFill>
+              <a:schemeClr val="accent1"/>
+            </a:solidFill>
+          </a:ln>
+          <a:effectLst/>
+        </p:spPr>
+      </p:pic>
+      <p:sp>
+        <p:nvSpPr>
+          <p:cNvPr id="4" name="Text Placeholder 3">
+            <a:extLst>
+              <a:ext uri="{FF2B5EF4-FFF2-40B4-BE49-F238E27FC236}">
+                <a16:creationId xmlns:a16="http://schemas.microsoft.com/office/drawing/2014/main" id="{07DF601F-C1B8-40C2-A357-E4D627F922FC}"/>
+              </a:ext>
+            </a:extLst>
+          </p:cNvPr>
+          <p:cNvSpPr>
+            <a:spLocks noGrp="1"/>
+          </p:cNvSpPr>
+          <p:nvPr>
+            <p:ph type="body" sz="half" idx="2"/>
+          </p:nvPr>
+        </p:nvSpPr>
+        <p:spPr>
+          <a:xfrm>
+            <a:off x="8164749" y="2024743"/>
+            <a:ext cx="3575737" cy="4016619"/>
+          </a:xfrm>
+        </p:spPr>
+        <p:txBody>
+          <a:bodyPr vert="horz" lIns="91440" tIns="45720" rIns="91440" bIns="45720" rtlCol="0" anchor="ctr">
+            <a:normAutofit/>
+          </a:bodyPr>
+          <a:lstStyle/>
+          <a:p>
+            <a:pPr>
+              <a:buFont typeface="Wingdings 2" charset="2"/>
+              <a:buChar char=""/>
+            </a:pPr>
+            <a:r>
+              <a:rPr lang="en-US" sz="1600" dirty="0">
+                <a:solidFill>
+                  <a:srgbClr val="FFFFFF"/>
+                </a:solidFill>
+              </a:rPr>
+              <a:t>The code gives out the same output as the previous European option when the dividend is set to 0.  </a:t>
+            </a:r>
+          </a:p>
+          <a:p>
+            <a:pPr>
+              <a:buFont typeface="Wingdings 2" charset="2"/>
+              <a:buChar char=""/>
+            </a:pPr>
+            <a:endParaRPr lang="en-US" sz="1600" dirty="0">
+              <a:solidFill>
+                <a:srgbClr val="FFFFFF"/>
+              </a:solidFill>
+            </a:endParaRPr>
+          </a:p>
+        </p:txBody>
+      </p:sp>
+    </p:spTree>
+    <p:extLst>
+      <p:ext uri="{BB962C8B-B14F-4D97-AF65-F5344CB8AC3E}">
+        <p14:creationId xmlns:p14="http://schemas.microsoft.com/office/powerpoint/2010/main" val="1426366827"/>
+      </p:ext>
+    </p:extLst>
+  </p:cSld>
+  <p:clrMapOvr>
+    <a:overrideClrMapping bg1="lt1" tx1="dk1" bg2="lt2" tx2="dk2" accent1="accent1" accent2="accent2" accent3="accent3" accent4="accent4" accent5="accent5" accent6="accent6" hlink="hlink" folHlink="folHlink"/>
+  </p:clrMapOvr>
+</p:sld>
+</file>
+
+<file path=ppt/slides/slide12.xml><?xml version="1.0" encoding="utf-8"?>
 <p:sld xmlns:a="http://schemas.openxmlformats.org/drawingml/2006/main" xmlns:r="http://schemas.openxmlformats.org/officeDocument/2006/relationships" xmlns:p="http://schemas.openxmlformats.org/presentationml/2006/main">
   <p:cSld>
     <p:bg>
@@ -5467,10 +6582,10 @@
       </p:grpSpPr>
       <p:sp>
         <p:nvSpPr>
-          <p:cNvPr id="33" name="Freeform 6">
+          <p:cNvPr id="34" name="Freeform 6">
             <a:extLst>
               <a:ext uri="{FF2B5EF4-FFF2-40B4-BE49-F238E27FC236}">
-                <a16:creationId xmlns:a16="http://schemas.microsoft.com/office/drawing/2014/main" id="{11114F18-D12D-43C6-895F-5BA92C290CC1}"/>
+                <a16:creationId xmlns:a16="http://schemas.microsoft.com/office/drawing/2014/main" id="{53576798-7F98-4C7F-B6C7-6D41B5A7E927}"/>
               </a:ext>
               <a:ext uri="{C183D7F6-B498-43B3-948B-1728B52AA6E4}">
                 <adec:decorative xmlns:adec="http://schemas.microsoft.com/office/drawing/2017/decorative" val="1"/>
@@ -5490,8 +6605,8 @@
         </p:nvSpPr>
         <p:spPr bwMode="auto">
           <a:xfrm>
-            <a:off x="0" y="-3175"/>
-            <a:ext cx="12192000" cy="5203825"/>
+            <a:off x="0" y="0"/>
+            <a:ext cx="12192000" cy="2185988"/>
           </a:xfrm>
           <a:custGeom>
             <a:avLst/>
@@ -5500,7 +6615,7 @@
             <a:cxnLst/>
             <a:rect l="0" t="0" r="r" b="b"/>
             <a:pathLst>
-              <a:path w="5760" h="3278">
+              <a:path w="5760" h="1377">
                 <a:moveTo>
                   <a:pt x="5760" y="0"/>
                 </a:moveTo>
@@ -5508,46 +6623,46 @@
                   <a:pt x="0" y="0"/>
                 </a:lnTo>
                 <a:lnTo>
-                  <a:pt x="0" y="3090"/>
-                </a:lnTo>
-                <a:lnTo>
-                  <a:pt x="943" y="3090"/>
-                </a:lnTo>
-                <a:lnTo>
-                  <a:pt x="1123" y="3270"/>
-                </a:lnTo>
-                <a:lnTo>
-                  <a:pt x="1123" y="3270"/>
-                </a:lnTo>
-                <a:lnTo>
-                  <a:pt x="1127" y="3272"/>
-                </a:lnTo>
-                <a:lnTo>
-                  <a:pt x="1133" y="3275"/>
-                </a:lnTo>
-                <a:lnTo>
-                  <a:pt x="1139" y="3278"/>
-                </a:lnTo>
-                <a:lnTo>
-                  <a:pt x="1144" y="3278"/>
-                </a:lnTo>
-                <a:lnTo>
-                  <a:pt x="1150" y="3278"/>
-                </a:lnTo>
-                <a:lnTo>
-                  <a:pt x="1155" y="3275"/>
-                </a:lnTo>
-                <a:lnTo>
-                  <a:pt x="1161" y="3272"/>
-                </a:lnTo>
-                <a:lnTo>
-                  <a:pt x="1165" y="3270"/>
-                </a:lnTo>
-                <a:lnTo>
-                  <a:pt x="1345" y="3090"/>
-                </a:lnTo>
-                <a:lnTo>
-                  <a:pt x="5760" y="3090"/>
+                  <a:pt x="0" y="1189"/>
+                </a:lnTo>
+                <a:lnTo>
+                  <a:pt x="943" y="1189"/>
+                </a:lnTo>
+                <a:lnTo>
+                  <a:pt x="1123" y="1369"/>
+                </a:lnTo>
+                <a:lnTo>
+                  <a:pt x="1123" y="1369"/>
+                </a:lnTo>
+                <a:lnTo>
+                  <a:pt x="1127" y="1371"/>
+                </a:lnTo>
+                <a:lnTo>
+                  <a:pt x="1133" y="1374"/>
+                </a:lnTo>
+                <a:lnTo>
+                  <a:pt x="1139" y="1377"/>
+                </a:lnTo>
+                <a:lnTo>
+                  <a:pt x="1144" y="1377"/>
+                </a:lnTo>
+                <a:lnTo>
+                  <a:pt x="1150" y="1377"/>
+                </a:lnTo>
+                <a:lnTo>
+                  <a:pt x="1155" y="1374"/>
+                </a:lnTo>
+                <a:lnTo>
+                  <a:pt x="1161" y="1371"/>
+                </a:lnTo>
+                <a:lnTo>
+                  <a:pt x="1165" y="1369"/>
+                </a:lnTo>
+                <a:lnTo>
+                  <a:pt x="1345" y="1189"/>
+                </a:lnTo>
+                <a:lnTo>
+                  <a:pt x="5760" y="1189"/>
                 </a:lnTo>
                 <a:lnTo>
                   <a:pt x="5760" y="0"/>
@@ -5557,7 +6672,6 @@
             </a:pathLst>
           </a:custGeom>
           <a:ln/>
-          <a:effectLst/>
           <a:extLst>
             <a:ext uri="{91240B29-F687-4f45-9708-019B960494DF}">
               <a14:hiddenLine xmlns="" xmlns:a16="http://schemas.microsoft.com/office/drawing/2014/main" xmlns:p14="http://schemas.microsoft.com/office/powerpoint/2010/main" xmlns:a14="http://schemas.microsoft.com/office/drawing/2010/main" w="9525">
@@ -5588,525 +6702,24 @@
       </p:sp>
       <p:sp>
         <p:nvSpPr>
-          <p:cNvPr id="35" name="Rounded Rectangle 16">
+          <p:cNvPr id="2" name="Title 1">
             <a:extLst>
               <a:ext uri="{FF2B5EF4-FFF2-40B4-BE49-F238E27FC236}">
-                <a16:creationId xmlns:a16="http://schemas.microsoft.com/office/drawing/2014/main" id="{AF9B2B08-75D2-47EB-A5C0-986478393C4B}"/>
-              </a:ext>
-              <a:ext uri="{C183D7F6-B498-43B3-948B-1728B52AA6E4}">
-                <adec:decorative xmlns:adec="http://schemas.microsoft.com/office/drawing/2017/decorative" val="1"/>
+                <a16:creationId xmlns:a16="http://schemas.microsoft.com/office/drawing/2014/main" id="{BA09E5CF-5DB0-4554-8C8D-B4A82AE4E5EA}"/>
               </a:ext>
             </a:extLst>
           </p:cNvPr>
           <p:cNvSpPr>
-            <a:spLocks noGrp="1" noRot="1" noChangeAspect="1" noMove="1" noResize="1" noEditPoints="1" noAdjustHandles="1" noChangeArrowheads="1" noChangeShapeType="1" noTextEdit="1"/>
-          </p:cNvSpPr>
-          <p:nvPr>
-            <p:extLst>
-              <p:ext uri="{386F3935-93C4-4BCD-93E2-E3B085C9AB24}">
-                <p16:designElem xmlns:p16="http://schemas.microsoft.com/office/powerpoint/2015/main" val="1"/>
-              </p:ext>
-            </p:extLst>
+            <a:spLocks noGrp="1"/>
+          </p:cNvSpPr>
+          <p:nvPr>
+            <p:ph type="title"/>
           </p:nvPr>
         </p:nvSpPr>
         <p:spPr>
           <a:xfrm>
-            <a:off x="635458" y="643464"/>
-            <a:ext cx="5365605" cy="3599352"/>
-          </a:xfrm>
-          <a:prstGeom prst="roundRect">
-            <a:avLst>
-              <a:gd name="adj" fmla="val 4219"/>
-            </a:avLst>
-          </a:prstGeom>
-          <a:solidFill>
-            <a:schemeClr val="tx1"/>
-          </a:solidFill>
-          <a:ln>
-            <a:solidFill>
-              <a:schemeClr val="accent1">
-                <a:lumMod val="75000"/>
-              </a:schemeClr>
-            </a:solidFill>
-          </a:ln>
-          <a:effectLst/>
-        </p:spPr>
-        <p:style>
-          <a:lnRef idx="2">
-            <a:schemeClr val="accent1">
-              <a:shade val="50000"/>
-            </a:schemeClr>
-          </a:lnRef>
-          <a:fillRef idx="1">
-            <a:schemeClr val="accent1"/>
-          </a:fillRef>
-          <a:effectRef idx="0">
-            <a:schemeClr val="accent1"/>
-          </a:effectRef>
-          <a:fontRef idx="minor">
-            <a:schemeClr val="lt1"/>
-          </a:fontRef>
-        </p:style>
-        <p:txBody>
-          <a:bodyPr rtlCol="0" anchor="ctr"/>
-          <a:lstStyle/>
-          <a:p>
-            <a:pPr algn="ctr"/>
-            <a:endParaRPr lang="en-US"/>
-          </a:p>
-        </p:txBody>
-      </p:sp>
-      <p:sp>
-        <p:nvSpPr>
-          <p:cNvPr id="37" name="Rounded Rectangle 18">
-            <a:extLst>
-              <a:ext uri="{FF2B5EF4-FFF2-40B4-BE49-F238E27FC236}">
-                <a16:creationId xmlns:a16="http://schemas.microsoft.com/office/drawing/2014/main" id="{7E25C7D9-6246-4DD6-8994-4BC3A9EE4CEF}"/>
-              </a:ext>
-              <a:ext uri="{C183D7F6-B498-43B3-948B-1728B52AA6E4}">
-                <adec:decorative xmlns:adec="http://schemas.microsoft.com/office/drawing/2017/decorative" val="1"/>
-              </a:ext>
-            </a:extLst>
-          </p:cNvPr>
-          <p:cNvSpPr>
-            <a:spLocks noGrp="1" noRot="1" noChangeAspect="1" noMove="1" noResize="1" noEditPoints="1" noAdjustHandles="1" noChangeArrowheads="1" noChangeShapeType="1" noTextEdit="1"/>
-          </p:cNvSpPr>
-          <p:nvPr>
-            <p:extLst>
-              <p:ext uri="{386F3935-93C4-4BCD-93E2-E3B085C9AB24}">
-                <p16:designElem xmlns:p16="http://schemas.microsoft.com/office/powerpoint/2015/main" val="1"/>
-              </p:ext>
-            </p:extLst>
-          </p:nvPr>
-        </p:nvSpPr>
-        <p:spPr>
-          <a:xfrm>
-            <a:off x="6180932" y="643464"/>
-            <a:ext cx="5365605" cy="3599352"/>
-          </a:xfrm>
-          <a:prstGeom prst="roundRect">
-            <a:avLst>
-              <a:gd name="adj" fmla="val 4219"/>
-            </a:avLst>
-          </a:prstGeom>
-          <a:solidFill>
-            <a:schemeClr val="tx1"/>
-          </a:solidFill>
-          <a:ln>
-            <a:solidFill>
-              <a:schemeClr val="accent1">
-                <a:lumMod val="75000"/>
-              </a:schemeClr>
-            </a:solidFill>
-          </a:ln>
-          <a:effectLst/>
-        </p:spPr>
-        <p:style>
-          <a:lnRef idx="2">
-            <a:schemeClr val="accent1">
-              <a:shade val="50000"/>
-            </a:schemeClr>
-          </a:lnRef>
-          <a:fillRef idx="1">
-            <a:schemeClr val="accent1"/>
-          </a:fillRef>
-          <a:effectRef idx="0">
-            <a:schemeClr val="accent1"/>
-          </a:effectRef>
-          <a:fontRef idx="minor">
-            <a:schemeClr val="lt1"/>
-          </a:fontRef>
-        </p:style>
-        <p:txBody>
-          <a:bodyPr rtlCol="0" anchor="ctr"/>
-          <a:lstStyle/>
-          <a:p>
-            <a:pPr algn="ctr"/>
-            <a:endParaRPr lang="en-US"/>
-          </a:p>
-        </p:txBody>
-      </p:sp>
-      <p:grpSp>
-        <p:nvGrpSpPr>
-          <p:cNvPr id="39" name="Group 38">
-            <a:extLst>
-              <a:ext uri="{FF2B5EF4-FFF2-40B4-BE49-F238E27FC236}">
-                <a16:creationId xmlns:a16="http://schemas.microsoft.com/office/drawing/2014/main" id="{D16A414C-5E5E-4426-8403-003A08DA3907}"/>
-              </a:ext>
-              <a:ext uri="{C183D7F6-B498-43B3-948B-1728B52AA6E4}">
-                <adec:decorative xmlns:adec="http://schemas.microsoft.com/office/drawing/2017/decorative" val="1"/>
-              </a:ext>
-            </a:extLst>
-          </p:cNvPr>
-          <p:cNvGrpSpPr>
-            <a:grpSpLocks noGrp="1" noUngrp="1" noRot="1" noChangeAspect="1" noMove="1" noResize="1"/>
-          </p:cNvGrpSpPr>
-          <p:nvPr>
-            <p:extLst>
-              <p:ext uri="{386F3935-93C4-4BCD-93E2-E3B085C9AB24}">
-                <p16:designElem xmlns:p16="http://schemas.microsoft.com/office/powerpoint/2015/main" val="1"/>
-              </p:ext>
-            </p:extLst>
-          </p:nvPr>
-        </p:nvGrpSpPr>
-        <p:grpSpPr bwMode="white">
-          <a:xfrm>
-            <a:off x="0" y="4525094"/>
-            <a:ext cx="12203151" cy="2344057"/>
-            <a:chOff x="0" y="4525094"/>
-            <a:chExt cx="12203151" cy="2344057"/>
-          </a:xfrm>
-        </p:grpSpPr>
-        <p:sp>
-          <p:nvSpPr>
-            <p:cNvPr id="40" name="Freeform 9">
-              <a:extLst>
-                <a:ext uri="{FF2B5EF4-FFF2-40B4-BE49-F238E27FC236}">
-                  <a16:creationId xmlns:a16="http://schemas.microsoft.com/office/drawing/2014/main" id="{94DB3BEE-6C96-46FB-8C15-8B113A650B00}"/>
-                </a:ext>
-                <a:ext uri="{C183D7F6-B498-43B3-948B-1728B52AA6E4}">
-                  <adec:decorative xmlns:adec="http://schemas.microsoft.com/office/drawing/2017/decorative" val="1"/>
-                </a:ext>
-              </a:extLst>
-            </p:cNvPr>
-            <p:cNvSpPr/>
-            <p:nvPr>
-              <p:extLst>
-                <p:ext uri="{386F3935-93C4-4BCD-93E2-E3B085C9AB24}">
-                  <p16:designElem xmlns:p16="http://schemas.microsoft.com/office/powerpoint/2015/main" val="1"/>
-                </p:ext>
-              </p:extLst>
-            </p:nvPr>
-          </p:nvSpPr>
-          <p:spPr bwMode="white">
-            <a:xfrm>
-              <a:off x="0" y="4525094"/>
-              <a:ext cx="12192000" cy="2332906"/>
-            </a:xfrm>
-            <a:custGeom>
-              <a:avLst/>
-              <a:gdLst>
-                <a:gd name="connsiteX0" fmla="*/ 0 w 12192000"/>
-                <a:gd name="connsiteY0" fmla="*/ 0 h 2332906"/>
-                <a:gd name="connsiteX1" fmla="*/ 1996017 w 12192000"/>
-                <a:gd name="connsiteY1" fmla="*/ 0 h 2332906"/>
-                <a:gd name="connsiteX2" fmla="*/ 2377017 w 12192000"/>
-                <a:gd name="connsiteY2" fmla="*/ 263783 h 2332906"/>
-                <a:gd name="connsiteX3" fmla="*/ 2385484 w 12192000"/>
-                <a:gd name="connsiteY3" fmla="*/ 266713 h 2332906"/>
-                <a:gd name="connsiteX4" fmla="*/ 2398184 w 12192000"/>
-                <a:gd name="connsiteY4" fmla="*/ 271110 h 2332906"/>
-                <a:gd name="connsiteX5" fmla="*/ 2410883 w 12192000"/>
-                <a:gd name="connsiteY5" fmla="*/ 275506 h 2332906"/>
-                <a:gd name="connsiteX6" fmla="*/ 2421467 w 12192000"/>
-                <a:gd name="connsiteY6" fmla="*/ 275506 h 2332906"/>
-                <a:gd name="connsiteX7" fmla="*/ 2434167 w 12192000"/>
-                <a:gd name="connsiteY7" fmla="*/ 275506 h 2332906"/>
-                <a:gd name="connsiteX8" fmla="*/ 2444750 w 12192000"/>
-                <a:gd name="connsiteY8" fmla="*/ 271110 h 2332906"/>
-                <a:gd name="connsiteX9" fmla="*/ 2457450 w 12192000"/>
-                <a:gd name="connsiteY9" fmla="*/ 266713 h 2332906"/>
-                <a:gd name="connsiteX10" fmla="*/ 2465917 w 12192000"/>
-                <a:gd name="connsiteY10" fmla="*/ 263783 h 2332906"/>
-                <a:gd name="connsiteX11" fmla="*/ 2846917 w 12192000"/>
-                <a:gd name="connsiteY11" fmla="*/ 0 h 2332906"/>
-                <a:gd name="connsiteX12" fmla="*/ 12192000 w 12192000"/>
-                <a:gd name="connsiteY12" fmla="*/ 0 h 2332906"/>
-                <a:gd name="connsiteX13" fmla="*/ 12192000 w 12192000"/>
-                <a:gd name="connsiteY13" fmla="*/ 2332906 h 2332906"/>
-                <a:gd name="connsiteX14" fmla="*/ 0 w 12192000"/>
-                <a:gd name="connsiteY14" fmla="*/ 2332906 h 2332906"/>
-              </a:gdLst>
-              <a:ahLst/>
-              <a:cxnLst>
-                <a:cxn ang="0">
-                  <a:pos x="connsiteX0" y="connsiteY0"/>
-                </a:cxn>
-                <a:cxn ang="0">
-                  <a:pos x="connsiteX1" y="connsiteY1"/>
-                </a:cxn>
-                <a:cxn ang="0">
-                  <a:pos x="connsiteX2" y="connsiteY2"/>
-                </a:cxn>
-                <a:cxn ang="0">
-                  <a:pos x="connsiteX3" y="connsiteY3"/>
-                </a:cxn>
-                <a:cxn ang="0">
-                  <a:pos x="connsiteX4" y="connsiteY4"/>
-                </a:cxn>
-                <a:cxn ang="0">
-                  <a:pos x="connsiteX5" y="connsiteY5"/>
-                </a:cxn>
-                <a:cxn ang="0">
-                  <a:pos x="connsiteX6" y="connsiteY6"/>
-                </a:cxn>
-                <a:cxn ang="0">
-                  <a:pos x="connsiteX7" y="connsiteY7"/>
-                </a:cxn>
-                <a:cxn ang="0">
-                  <a:pos x="connsiteX8" y="connsiteY8"/>
-                </a:cxn>
-                <a:cxn ang="0">
-                  <a:pos x="connsiteX9" y="connsiteY9"/>
-                </a:cxn>
-                <a:cxn ang="0">
-                  <a:pos x="connsiteX10" y="connsiteY10"/>
-                </a:cxn>
-                <a:cxn ang="0">
-                  <a:pos x="connsiteX11" y="connsiteY11"/>
-                </a:cxn>
-                <a:cxn ang="0">
-                  <a:pos x="connsiteX12" y="connsiteY12"/>
-                </a:cxn>
-                <a:cxn ang="0">
-                  <a:pos x="connsiteX13" y="connsiteY13"/>
-                </a:cxn>
-                <a:cxn ang="0">
-                  <a:pos x="connsiteX14" y="connsiteY14"/>
-                </a:cxn>
-              </a:cxnLst>
-              <a:rect l="l" t="t" r="r" b="b"/>
-              <a:pathLst>
-                <a:path w="12192000" h="2332906">
-                  <a:moveTo>
-                    <a:pt x="0" y="0"/>
-                  </a:moveTo>
-                  <a:lnTo>
-                    <a:pt x="1996017" y="0"/>
-                  </a:lnTo>
-                  <a:lnTo>
-                    <a:pt x="2377017" y="263783"/>
-                  </a:lnTo>
-                  <a:lnTo>
-                    <a:pt x="2385484" y="266713"/>
-                  </a:lnTo>
-                  <a:lnTo>
-                    <a:pt x="2398184" y="271110"/>
-                  </a:lnTo>
-                  <a:lnTo>
-                    <a:pt x="2410883" y="275506"/>
-                  </a:lnTo>
-                  <a:lnTo>
-                    <a:pt x="2421467" y="275506"/>
-                  </a:lnTo>
-                  <a:lnTo>
-                    <a:pt x="2434167" y="275506"/>
-                  </a:lnTo>
-                  <a:lnTo>
-                    <a:pt x="2444750" y="271110"/>
-                  </a:lnTo>
-                  <a:lnTo>
-                    <a:pt x="2457450" y="266713"/>
-                  </a:lnTo>
-                  <a:lnTo>
-                    <a:pt x="2465917" y="263783"/>
-                  </a:lnTo>
-                  <a:lnTo>
-                    <a:pt x="2846917" y="0"/>
-                  </a:lnTo>
-                  <a:lnTo>
-                    <a:pt x="12192000" y="0"/>
-                  </a:lnTo>
-                  <a:lnTo>
-                    <a:pt x="12192000" y="2332906"/>
-                  </a:lnTo>
-                  <a:lnTo>
-                    <a:pt x="0" y="2332906"/>
-                  </a:lnTo>
-                  <a:close/>
-                </a:path>
-              </a:pathLst>
-            </a:custGeom>
-            <a:solidFill>
-              <a:schemeClr val="bg1">
-                <a:lumMod val="85000"/>
-                <a:lumOff val="15000"/>
-              </a:schemeClr>
-            </a:solidFill>
-            <a:ln>
-              <a:solidFill>
-                <a:schemeClr val="accent1"/>
-              </a:solidFill>
-            </a:ln>
-          </p:spPr>
-          <p:style>
-            <a:lnRef idx="2">
-              <a:schemeClr val="accent1">
-                <a:shade val="50000"/>
-              </a:schemeClr>
-            </a:lnRef>
-            <a:fillRef idx="1">
-              <a:schemeClr val="accent1"/>
-            </a:fillRef>
-            <a:effectRef idx="0">
-              <a:schemeClr val="accent1"/>
-            </a:effectRef>
-            <a:fontRef idx="minor">
-              <a:schemeClr val="lt1"/>
-            </a:fontRef>
-          </p:style>
-          <p:txBody>
-            <a:bodyPr rtlCol="0" anchor="ctr"/>
-            <a:lstStyle/>
-            <a:p>
-              <a:pPr algn="ctr"/>
-              <a:endParaRPr lang="en-US"/>
-            </a:p>
-          </p:txBody>
-        </p:sp>
-        <p:sp>
-          <p:nvSpPr>
-            <p:cNvPr id="41" name="Isosceles Triangle 40">
-              <a:extLst>
-                <a:ext uri="{FF2B5EF4-FFF2-40B4-BE49-F238E27FC236}">
-                  <a16:creationId xmlns:a16="http://schemas.microsoft.com/office/drawing/2014/main" id="{F40BAA06-E9BA-470B-A5C0-46A23420F7FE}"/>
-                </a:ext>
-                <a:ext uri="{C183D7F6-B498-43B3-948B-1728B52AA6E4}">
-                  <adec:decorative xmlns:adec="http://schemas.microsoft.com/office/drawing/2017/decorative" val="1"/>
-                </a:ext>
-              </a:extLst>
-            </p:cNvPr>
-            <p:cNvSpPr/>
-            <p:nvPr>
-              <p:extLst>
-                <p:ext uri="{386F3935-93C4-4BCD-93E2-E3B085C9AB24}">
-                  <p16:designElem xmlns:p16="http://schemas.microsoft.com/office/powerpoint/2015/main" val="1"/>
-                </p:ext>
-              </p:extLst>
-            </p:nvPr>
-          </p:nvSpPr>
-          <p:spPr bwMode="white">
-            <a:xfrm flipH="1">
-              <a:off x="3820" y="4536245"/>
-              <a:ext cx="5660999" cy="2332906"/>
-            </a:xfrm>
-            <a:prstGeom prst="triangle">
-              <a:avLst>
-                <a:gd name="adj" fmla="val 100000"/>
-              </a:avLst>
-            </a:prstGeom>
-            <a:solidFill>
-              <a:schemeClr val="bg1">
-                <a:lumMod val="85000"/>
-                <a:lumOff val="15000"/>
-              </a:schemeClr>
-            </a:solidFill>
-            <a:ln>
-              <a:noFill/>
-            </a:ln>
-          </p:spPr>
-          <p:style>
-            <a:lnRef idx="2">
-              <a:schemeClr val="accent1">
-                <a:shade val="50000"/>
-              </a:schemeClr>
-            </a:lnRef>
-            <a:fillRef idx="1">
-              <a:schemeClr val="accent1"/>
-            </a:fillRef>
-            <a:effectRef idx="0">
-              <a:schemeClr val="accent1"/>
-            </a:effectRef>
-            <a:fontRef idx="minor">
-              <a:schemeClr val="lt1"/>
-            </a:fontRef>
-          </p:style>
-          <p:txBody>
-            <a:bodyPr rtlCol="0" anchor="ctr"/>
-            <a:lstStyle/>
-            <a:p>
-              <a:pPr algn="ctr"/>
-              <a:endParaRPr lang="en-US"/>
-            </a:p>
-          </p:txBody>
-        </p:sp>
-        <p:sp>
-          <p:nvSpPr>
-            <p:cNvPr id="42" name="Isosceles Triangle 41">
-              <a:extLst>
-                <a:ext uri="{FF2B5EF4-FFF2-40B4-BE49-F238E27FC236}">
-                  <a16:creationId xmlns:a16="http://schemas.microsoft.com/office/drawing/2014/main" id="{062096F8-9F75-4506-A42C-8867603F6727}"/>
-                </a:ext>
-                <a:ext uri="{C183D7F6-B498-43B3-948B-1728B52AA6E4}">
-                  <adec:decorative xmlns:adec="http://schemas.microsoft.com/office/drawing/2017/decorative" val="1"/>
-                </a:ext>
-              </a:extLst>
-            </p:cNvPr>
-            <p:cNvSpPr/>
-            <p:nvPr>
-              <p:extLst>
-                <p:ext uri="{386F3935-93C4-4BCD-93E2-E3B085C9AB24}">
-                  <p16:designElem xmlns:p16="http://schemas.microsoft.com/office/powerpoint/2015/main" val="1"/>
-                </p:ext>
-              </p:extLst>
-            </p:nvPr>
-          </p:nvSpPr>
-          <p:spPr bwMode="white">
-            <a:xfrm>
-              <a:off x="4813714" y="4536245"/>
-              <a:ext cx="7389437" cy="2332906"/>
-            </a:xfrm>
-            <a:prstGeom prst="triangle">
-              <a:avLst>
-                <a:gd name="adj" fmla="val 100000"/>
-              </a:avLst>
-            </a:prstGeom>
-            <a:solidFill>
-              <a:schemeClr val="bg1">
-                <a:lumMod val="85000"/>
-                <a:lumOff val="15000"/>
-              </a:schemeClr>
-            </a:solidFill>
-            <a:ln>
-              <a:noFill/>
-            </a:ln>
-          </p:spPr>
-          <p:style>
-            <a:lnRef idx="2">
-              <a:schemeClr val="accent1">
-                <a:shade val="50000"/>
-              </a:schemeClr>
-            </a:lnRef>
-            <a:fillRef idx="1">
-              <a:schemeClr val="accent1"/>
-            </a:fillRef>
-            <a:effectRef idx="0">
-              <a:schemeClr val="accent1"/>
-            </a:effectRef>
-            <a:fontRef idx="minor">
-              <a:schemeClr val="lt1"/>
-            </a:fontRef>
-          </p:style>
-          <p:txBody>
-            <a:bodyPr rtlCol="0" anchor="ctr"/>
-            <a:lstStyle/>
-            <a:p>
-              <a:pPr algn="ctr"/>
-              <a:endParaRPr lang="en-US"/>
-            </a:p>
-          </p:txBody>
-        </p:sp>
-      </p:grpSp>
-      <p:sp>
-        <p:nvSpPr>
-          <p:cNvPr id="2" name="Title 1">
-            <a:extLst>
-              <a:ext uri="{FF2B5EF4-FFF2-40B4-BE49-F238E27FC236}">
-                <a16:creationId xmlns:a16="http://schemas.microsoft.com/office/drawing/2014/main" id="{0B686645-A2FC-4801-905F-49D7F279C865}"/>
-              </a:ext>
-            </a:extLst>
-          </p:cNvPr>
-          <p:cNvSpPr>
-            <a:spLocks noGrp="1"/>
-          </p:cNvSpPr>
-          <p:nvPr>
-            <p:ph type="title"/>
-          </p:nvPr>
-        </p:nvSpPr>
-        <p:spPr>
-          <a:xfrm>
-            <a:off x="810001" y="4817533"/>
-            <a:ext cx="10572000" cy="779529"/>
+            <a:off x="810000" y="447188"/>
+            <a:ext cx="10571998" cy="970450"/>
           </a:xfrm>
         </p:spPr>
         <p:txBody>
@@ -6117,7 +6730,7 @@
           <a:p>
             <a:r>
               <a:rPr lang="en-US" sz="4000" b="1" dirty="0"/>
-              <a:t>American  Option</a:t>
+              <a:t>CRR Model with Neural Network</a:t>
             </a:r>
           </a:p>
         </p:txBody>
@@ -6127,7 +6740,7 @@
           <p:cNvPr id="4" name="Text Placeholder 3">
             <a:extLst>
               <a:ext uri="{FF2B5EF4-FFF2-40B4-BE49-F238E27FC236}">
-                <a16:creationId xmlns:a16="http://schemas.microsoft.com/office/drawing/2014/main" id="{07DF601F-C1B8-40C2-A357-E4D627F922FC}"/>
+                <a16:creationId xmlns:a16="http://schemas.microsoft.com/office/drawing/2014/main" id="{41E1CF1F-E724-42A3-8657-8DF6A66B0FB4}"/>
               </a:ext>
             </a:extLst>
           </p:cNvPr>
@@ -6140,65 +6753,44 @@
         </p:nvSpPr>
         <p:spPr>
           <a:xfrm>
-            <a:off x="810001" y="5594110"/>
-            <a:ext cx="10572000" cy="434974"/>
-          </a:xfrm>
-        </p:spPr>
-        <p:txBody>
-          <a:bodyPr vert="horz" lIns="91440" tIns="45720" rIns="91440" bIns="45720" rtlCol="0" anchor="t">
+            <a:off x="818713" y="2413000"/>
+            <a:ext cx="3835583" cy="3632200"/>
+          </a:xfrm>
+        </p:spPr>
+        <p:txBody>
+          <a:bodyPr vert="horz" lIns="91440" tIns="45720" rIns="91440" bIns="45720" rtlCol="0" anchor="ctr">
             <a:normAutofit/>
           </a:bodyPr>
           <a:lstStyle/>
           <a:p>
-            <a:r>
-              <a:rPr lang="en-US" sz="1700"/>
-              <a:t>The code gives out the same output as the previous European option when the dividend is set to 0.  </a:t>
-            </a:r>
+            <a:pPr>
+              <a:buFont typeface="Wingdings 2" charset="2"/>
+              <a:buChar char=""/>
+            </a:pPr>
+            <a:r>
+              <a:rPr lang="en-US" sz="1600"/>
+              <a:t>100 Randomized data per epoch which was fed into CRR American option Model </a:t>
+            </a:r>
+          </a:p>
+          <a:p>
+            <a:pPr>
+              <a:buFont typeface="Wingdings 2" charset="2"/>
+              <a:buChar char=""/>
+            </a:pPr>
+            <a:r>
+              <a:rPr lang="en-US" sz="1600"/>
+              <a:t>Looks promising</a:t>
+            </a:r>
+            <a:endParaRPr lang="en-US" sz="1600" dirty="0"/>
           </a:p>
         </p:txBody>
       </p:sp>
       <p:pic>
         <p:nvPicPr>
-          <p:cNvPr id="10" name="Picture Placeholder 9">
+          <p:cNvPr id="12" name="Picture 11">
             <a:extLst>
               <a:ext uri="{FF2B5EF4-FFF2-40B4-BE49-F238E27FC236}">
-                <a16:creationId xmlns:a16="http://schemas.microsoft.com/office/drawing/2014/main" id="{A71F04C9-390F-4457-A2B7-A7E58F5A4F91}"/>
-              </a:ext>
-            </a:extLst>
-          </p:cNvPr>
-          <p:cNvPicPr>
-            <a:picLocks noGrp="1"/>
-          </p:cNvPicPr>
-          <p:nvPr>
-            <p:ph type="pic" sz="quarter" idx="13"/>
-          </p:nvPr>
-        </p:nvPicPr>
-        <p:blipFill rotWithShape="1">
-          <a:blip r:embed="rId2" cstate="print">
-            <a:extLst>
-              <a:ext uri="{28A0092B-C50C-407E-A947-70E740481C1C}">
-                <a14:useLocalDpi xmlns:a14="http://schemas.microsoft.com/office/drawing/2010/main" val="0"/>
-              </a:ext>
-            </a:extLst>
-          </a:blip>
-          <a:stretch/>
-        </p:blipFill>
-        <p:spPr>
-          <a:xfrm>
-            <a:off x="2048073" y="809368"/>
-            <a:ext cx="2534315" cy="3259570"/>
-          </a:xfrm>
-          <a:prstGeom prst="rect">
-            <a:avLst/>
-          </a:prstGeom>
-        </p:spPr>
-      </p:pic>
-      <p:pic>
-        <p:nvPicPr>
-          <p:cNvPr id="18" name="Picture 17">
-            <a:extLst>
-              <a:ext uri="{FF2B5EF4-FFF2-40B4-BE49-F238E27FC236}">
-                <a16:creationId xmlns:a16="http://schemas.microsoft.com/office/drawing/2014/main" id="{813D4636-3668-45A7-AFA2-D7096FBD16B8}"/>
+                <a16:creationId xmlns:a16="http://schemas.microsoft.com/office/drawing/2014/main" id="{C61CFC51-51EF-4B39-B806-CC3FA7346AA0}"/>
               </a:ext>
             </a:extLst>
           </p:cNvPr>
@@ -6206,25 +6798,33 @@
           <p:nvPr/>
         </p:nvPicPr>
         <p:blipFill>
-          <a:blip r:embed="rId3"/>
+          <a:blip r:embed="rId2"/>
           <a:stretch>
             <a:fillRect/>
           </a:stretch>
         </p:blipFill>
         <p:spPr>
           <a:xfrm>
-            <a:off x="7320205" y="813355"/>
-            <a:ext cx="3087057" cy="3259570"/>
-          </a:xfrm>
-          <a:prstGeom prst="rect">
-            <a:avLst/>
+            <a:off x="6772397" y="2413000"/>
+            <a:ext cx="2936257" cy="3716338"/>
+          </a:xfrm>
+          <a:prstGeom prst="roundRect">
+            <a:avLst>
+              <a:gd name="adj" fmla="val 3876"/>
+            </a:avLst>
           </a:prstGeom>
+          <a:ln>
+            <a:solidFill>
+              <a:schemeClr val="accent1"/>
+            </a:solidFill>
+          </a:ln>
+          <a:effectLst/>
         </p:spPr>
       </p:pic>
     </p:spTree>
     <p:extLst>
       <p:ext uri="{BB962C8B-B14F-4D97-AF65-F5344CB8AC3E}">
-        <p14:creationId xmlns:p14="http://schemas.microsoft.com/office/powerpoint/2010/main" val="1374352477"/>
+        <p14:creationId xmlns:p14="http://schemas.microsoft.com/office/powerpoint/2010/main" val="2940245564"/>
       </p:ext>
     </p:extLst>
   </p:cSld>
@@ -6234,7 +6834,7 @@
 </p:sld>
 </file>
 
-<file path=ppt/slides/slide11.xml><?xml version="1.0" encoding="utf-8"?>
+<file path=ppt/slides/slide13.xml><?xml version="1.0" encoding="utf-8"?>
 <p:sld xmlns:a="http://schemas.openxmlformats.org/drawingml/2006/main" xmlns:r="http://schemas.openxmlformats.org/officeDocument/2006/relationships" xmlns:p="http://schemas.openxmlformats.org/presentationml/2006/main">
   <p:cSld>
     <p:bg>
@@ -6261,7 +6861,7 @@
       </p:grpSpPr>
       <p:sp>
         <p:nvSpPr>
-          <p:cNvPr id="34" name="Freeform 6">
+          <p:cNvPr id="17" name="Freeform 6">
             <a:extLst>
               <a:ext uri="{FF2B5EF4-FFF2-40B4-BE49-F238E27FC236}">
                 <a16:creationId xmlns:a16="http://schemas.microsoft.com/office/drawing/2014/main" id="{53576798-7F98-4C7F-B6C7-6D41B5A7E927}"/>
@@ -6414,66 +7014,18 @@
           </a:p>
         </p:txBody>
       </p:sp>
-      <p:sp>
-        <p:nvSpPr>
-          <p:cNvPr id="4" name="Text Placeholder 3">
+      <p:pic>
+        <p:nvPicPr>
+          <p:cNvPr id="9" name="Picture 8">
             <a:extLst>
               <a:ext uri="{FF2B5EF4-FFF2-40B4-BE49-F238E27FC236}">
-                <a16:creationId xmlns:a16="http://schemas.microsoft.com/office/drawing/2014/main" id="{41E1CF1F-E724-42A3-8657-8DF6A66B0FB4}"/>
+                <a16:creationId xmlns:a16="http://schemas.microsoft.com/office/drawing/2014/main" id="{02B0CA1E-4227-4AE8-84D2-7533AE026B51}"/>
               </a:ext>
             </a:extLst>
           </p:cNvPr>
-          <p:cNvSpPr>
-            <a:spLocks noGrp="1"/>
-          </p:cNvSpPr>
-          <p:nvPr>
-            <p:ph type="body" sz="half" idx="2"/>
-          </p:nvPr>
-        </p:nvSpPr>
-        <p:spPr>
-          <a:xfrm>
-            <a:off x="818713" y="2413000"/>
-            <a:ext cx="3835583" cy="3632200"/>
-          </a:xfrm>
-        </p:spPr>
-        <p:txBody>
-          <a:bodyPr vert="horz" lIns="91440" tIns="45720" rIns="91440" bIns="45720" rtlCol="0" anchor="ctr">
-            <a:normAutofit/>
-          </a:bodyPr>
-          <a:lstStyle/>
-          <a:p>
-            <a:pPr>
-              <a:buFont typeface="Wingdings 2" charset="2"/>
-              <a:buChar char=""/>
-            </a:pPr>
-            <a:r>
-              <a:rPr lang="en-US" sz="1600"/>
-              <a:t>100 Randomized data per epoch which was fed into CRR American option Model </a:t>
-            </a:r>
-          </a:p>
-          <a:p>
-            <a:pPr>
-              <a:buFont typeface="Wingdings 2" charset="2"/>
-              <a:buChar char=""/>
-            </a:pPr>
-            <a:r>
-              <a:rPr lang="en-US" sz="1600"/>
-              <a:t>Looks promising</a:t>
-            </a:r>
-            <a:endParaRPr lang="en-US" sz="1600" dirty="0"/>
-          </a:p>
-        </p:txBody>
-      </p:sp>
-      <p:pic>
-        <p:nvPicPr>
-          <p:cNvPr id="12" name="Picture 11">
-            <a:extLst>
-              <a:ext uri="{FF2B5EF4-FFF2-40B4-BE49-F238E27FC236}">
-                <a16:creationId xmlns:a16="http://schemas.microsoft.com/office/drawing/2014/main" id="{C61CFC51-51EF-4B39-B806-CC3FA7346AA0}"/>
-              </a:ext>
-            </a:extLst>
-          </p:cNvPr>
-          <p:cNvPicPr/>
+          <p:cNvPicPr>
+            <a:picLocks noChangeAspect="1"/>
+          </p:cNvPicPr>
           <p:nvPr/>
         </p:nvPicPr>
         <p:blipFill>
@@ -6484,8 +7036,8 @@
         </p:blipFill>
         <p:spPr>
           <a:xfrm>
-            <a:off x="6772397" y="2413000"/>
-            <a:ext cx="2936257" cy="3716338"/>
+            <a:off x="1345373" y="3099909"/>
+            <a:ext cx="3077816" cy="2270520"/>
           </a:xfrm>
           <a:prstGeom prst="roundRect">
             <a:avLst>
@@ -6500,10 +7052,48 @@
           <a:effectLst/>
         </p:spPr>
       </p:pic>
+      <p:pic>
+        <p:nvPicPr>
+          <p:cNvPr id="10" name="Picture 9">
+            <a:extLst>
+              <a:ext uri="{FF2B5EF4-FFF2-40B4-BE49-F238E27FC236}">
+                <a16:creationId xmlns:a16="http://schemas.microsoft.com/office/drawing/2014/main" id="{B345614D-7A2C-4ED3-B077-591E9C42323E}"/>
+              </a:ext>
+            </a:extLst>
+          </p:cNvPr>
+          <p:cNvPicPr>
+            <a:picLocks noChangeAspect="1"/>
+          </p:cNvPicPr>
+          <p:nvPr/>
+        </p:nvPicPr>
+        <p:blipFill>
+          <a:blip r:embed="rId3"/>
+          <a:stretch>
+            <a:fillRect/>
+          </a:stretch>
+        </p:blipFill>
+        <p:spPr>
+          <a:xfrm>
+            <a:off x="5785026" y="3020242"/>
+            <a:ext cx="5376369" cy="2500011"/>
+          </a:xfrm>
+          <a:prstGeom prst="roundRect">
+            <a:avLst>
+              <a:gd name="adj" fmla="val 3876"/>
+            </a:avLst>
+          </a:prstGeom>
+          <a:ln>
+            <a:solidFill>
+              <a:schemeClr val="accent1"/>
+            </a:solidFill>
+          </a:ln>
+          <a:effectLst/>
+        </p:spPr>
+      </p:pic>
     </p:spTree>
     <p:extLst>
       <p:ext uri="{BB962C8B-B14F-4D97-AF65-F5344CB8AC3E}">
-        <p14:creationId xmlns:p14="http://schemas.microsoft.com/office/powerpoint/2010/main" val="2940245564"/>
+        <p14:creationId xmlns:p14="http://schemas.microsoft.com/office/powerpoint/2010/main" val="1589305592"/>
       </p:ext>
     </p:extLst>
   </p:cSld>
@@ -6513,7 +7103,7 @@
 </p:sld>
 </file>
 
-<file path=ppt/slides/slide12.xml><?xml version="1.0" encoding="utf-8"?>
+<file path=ppt/slides/slide14.xml><?xml version="1.0" encoding="utf-8"?>
 <p:sld xmlns:a="http://schemas.openxmlformats.org/drawingml/2006/main" xmlns:r="http://schemas.openxmlformats.org/officeDocument/2006/relationships" xmlns:p="http://schemas.openxmlformats.org/presentationml/2006/main">
   <p:cSld>
     <p:bg>
@@ -6935,7 +7525,7 @@
 </p:sld>
 </file>
 
-<file path=ppt/slides/slide13.xml><?xml version="1.0" encoding="utf-8"?>
+<file path=ppt/slides/slide15.xml><?xml version="1.0" encoding="utf-8"?>
 <p:sld xmlns:a="http://schemas.openxmlformats.org/drawingml/2006/main" xmlns:r="http://schemas.openxmlformats.org/officeDocument/2006/relationships" xmlns:p="http://schemas.openxmlformats.org/presentationml/2006/main">
   <p:cSld>
     <p:bg>
@@ -7622,7 +8212,7 @@
 </p:sld>
 </file>
 
-<file path=ppt/slides/slide14.xml><?xml version="1.0" encoding="utf-8"?>
+<file path=ppt/slides/slide16.xml><?xml version="1.0" encoding="utf-8"?>
 <p:sld xmlns:a="http://schemas.openxmlformats.org/drawingml/2006/main" xmlns:r="http://schemas.openxmlformats.org/officeDocument/2006/relationships" xmlns:p="http://schemas.openxmlformats.org/presentationml/2006/main">
   <p:cSld>
     <p:bg>
